--- a/Laboratorios/Laboratorio 1/PresentacionLab01.pptx
+++ b/Laboratorios/Laboratorio 1/PresentacionLab01.pptx
@@ -113,6 +113,11 @@
       </a:defRPr>
     </a:lvl9pPr>
   </p:defaultTextStyle>
+  <p:extLst>
+    <p:ext uri="{EFAFB233-063F-42B5-8137-9DF3F51BA10A}">
+      <p15:sldGuideLst xmlns:p15="http://schemas.microsoft.com/office/powerpoint/2012/main"/>
+    </p:ext>
+  </p:extLst>
 </p:presentation>
 </file>
 
@@ -848,7 +853,7 @@
             <a:fld id="{B61BEF0D-F0BB-DE4B-95CE-6DB70DBA9567}" type="datetimeFigureOut">
               <a:rPr lang="en-US" dirty="0"/>
               <a:pPr/>
-              <a:t>1/25/2021</a:t>
+              <a:t>1/26/2021</a:t>
             </a:fld>
             <a:endParaRPr lang="en-US"/>
           </a:p>
@@ -1096,7 +1101,7 @@
             <a:fld id="{B61BEF0D-F0BB-DE4B-95CE-6DB70DBA9567}" type="datetimeFigureOut">
               <a:rPr lang="en-US" dirty="0"/>
               <a:pPr/>
-              <a:t>1/25/2021</a:t>
+              <a:t>1/26/2021</a:t>
             </a:fld>
             <a:endParaRPr lang="en-US"/>
           </a:p>
@@ -1407,7 +1412,7 @@
             <a:fld id="{B61BEF0D-F0BB-DE4B-95CE-6DB70DBA9567}" type="datetimeFigureOut">
               <a:rPr lang="en-US" dirty="0"/>
               <a:pPr/>
-              <a:t>1/25/2021</a:t>
+              <a:t>1/26/2021</a:t>
             </a:fld>
             <a:endParaRPr lang="en-US"/>
           </a:p>
@@ -1745,7 +1750,7 @@
             <a:fld id="{B61BEF0D-F0BB-DE4B-95CE-6DB70DBA9567}" type="datetimeFigureOut">
               <a:rPr lang="en-US" dirty="0"/>
               <a:pPr/>
-              <a:t>1/25/2021</a:t>
+              <a:t>1/26/2021</a:t>
             </a:fld>
             <a:endParaRPr lang="en-US"/>
           </a:p>
@@ -2056,7 +2061,7 @@
             <a:fld id="{B61BEF0D-F0BB-DE4B-95CE-6DB70DBA9567}" type="datetimeFigureOut">
               <a:rPr lang="en-US" dirty="0"/>
               <a:pPr/>
-              <a:t>1/25/2021</a:t>
+              <a:t>1/26/2021</a:t>
             </a:fld>
             <a:endParaRPr lang="en-US"/>
           </a:p>
@@ -2446,7 +2451,7 @@
             <a:fld id="{B61BEF0D-F0BB-DE4B-95CE-6DB70DBA9567}" type="datetimeFigureOut">
               <a:rPr lang="en-US" dirty="0"/>
               <a:pPr/>
-              <a:t>1/25/2021</a:t>
+              <a:t>1/26/2021</a:t>
             </a:fld>
             <a:endParaRPr lang="en-US"/>
           </a:p>
@@ -2612,7 +2617,7 @@
           <a:p>
             <a:fld id="{55C6B4A9-1611-4792-9094-5F34BCA07E0B}" type="datetimeFigureOut">
               <a:rPr lang="en-US" dirty="0"/>
-              <a:t>1/25/2021</a:t>
+              <a:t>1/26/2021</a:t>
             </a:fld>
             <a:endParaRPr lang="en-US"/>
           </a:p>
@@ -2788,7 +2793,7 @@
             <a:fld id="{B61BEF0D-F0BB-DE4B-95CE-6DB70DBA9567}" type="datetimeFigureOut">
               <a:rPr lang="en-US" dirty="0"/>
               <a:pPr/>
-              <a:t>1/25/2021</a:t>
+              <a:t>1/26/2021</a:t>
             </a:fld>
             <a:endParaRPr lang="en-US"/>
           </a:p>
@@ -2961,7 +2966,7 @@
             <a:fld id="{B61BEF0D-F0BB-DE4B-95CE-6DB70DBA9567}" type="datetimeFigureOut">
               <a:rPr lang="en-US" dirty="0"/>
               <a:pPr/>
-              <a:t>1/25/2021</a:t>
+              <a:t>1/26/2021</a:t>
             </a:fld>
             <a:endParaRPr lang="en-US"/>
           </a:p>
@@ -3205,7 +3210,7 @@
             <a:fld id="{B61BEF0D-F0BB-DE4B-95CE-6DB70DBA9567}" type="datetimeFigureOut">
               <a:rPr lang="en-US" dirty="0"/>
               <a:pPr/>
-              <a:t>1/25/2021</a:t>
+              <a:t>1/26/2021</a:t>
             </a:fld>
             <a:endParaRPr lang="en-US"/>
           </a:p>
@@ -3433,7 +3438,7 @@
           <a:p>
             <a:fld id="{EB712588-04B1-427B-82EE-E8DB90309F08}" type="datetimeFigureOut">
               <a:rPr lang="en-US" dirty="0"/>
-              <a:t>1/25/2021</a:t>
+              <a:t>1/26/2021</a:t>
             </a:fld>
             <a:endParaRPr lang="en-US"/>
           </a:p>
@@ -3803,7 +3808,7 @@
             <a:fld id="{B61BEF0D-F0BB-DE4B-95CE-6DB70DBA9567}" type="datetimeFigureOut">
               <a:rPr lang="en-US" dirty="0"/>
               <a:pPr/>
-              <a:t>1/25/2021</a:t>
+              <a:t>1/26/2021</a:t>
             </a:fld>
             <a:endParaRPr lang="en-US"/>
           </a:p>
@@ -3923,7 +3928,7 @@
             <a:fld id="{B61BEF0D-F0BB-DE4B-95CE-6DB70DBA9567}" type="datetimeFigureOut">
               <a:rPr lang="en-US" dirty="0"/>
               <a:pPr/>
-              <a:t>1/25/2021</a:t>
+              <a:t>1/26/2021</a:t>
             </a:fld>
             <a:endParaRPr lang="en-US"/>
           </a:p>
@@ -4015,7 +4020,7 @@
             <a:fld id="{B61BEF0D-F0BB-DE4B-95CE-6DB70DBA9567}" type="datetimeFigureOut">
               <a:rPr lang="en-US" dirty="0"/>
               <a:pPr/>
-              <a:t>1/25/2021</a:t>
+              <a:t>1/26/2021</a:t>
             </a:fld>
             <a:endParaRPr lang="en-US"/>
           </a:p>
@@ -4266,7 +4271,7 @@
           <a:p>
             <a:fld id="{42A54C80-263E-416B-A8E0-580EDEADCBDC}" type="datetimeFigureOut">
               <a:rPr lang="en-US" dirty="0"/>
-              <a:t>1/25/2021</a:t>
+              <a:t>1/26/2021</a:t>
             </a:fld>
             <a:endParaRPr lang="en-US"/>
           </a:p>
@@ -4525,7 +4530,7 @@
             <a:fld id="{B61BEF0D-F0BB-DE4B-95CE-6DB70DBA9567}" type="datetimeFigureOut">
               <a:rPr lang="en-US" dirty="0"/>
               <a:pPr/>
-              <a:t>1/25/2021</a:t>
+              <a:t>1/26/2021</a:t>
             </a:fld>
             <a:endParaRPr lang="en-US"/>
           </a:p>
@@ -5265,7 +5270,7 @@
             <a:fld id="{B61BEF0D-F0BB-DE4B-95CE-6DB70DBA9567}" type="datetimeFigureOut">
               <a:rPr lang="en-US" dirty="0"/>
               <a:pPr/>
-              <a:t>1/25/2021</a:t>
+              <a:t>1/26/2021</a:t>
             </a:fld>
             <a:endParaRPr lang="en-US"/>
           </a:p>
@@ -7053,14 +7058,14 @@
               </a:tabLst>
             </a:pPr>
             <a:r>
-              <a:rPr lang="es-ES" sz="1400">
+              <a:rPr lang="es-ES" sz="1400" dirty="0">
                 <a:latin typeface="Trebuchet MS" panose="020B0603020202020204" pitchFamily="34" charset="0"/>
                 <a:ea typeface="Courier New" panose="02070309020205020404" pitchFamily="49" charset="0"/>
                 <a:cs typeface="Trebuchet MS" panose="020B0603020202020204" pitchFamily="34" charset="0"/>
               </a:rPr>
               <a:t>Nube:</a:t>
             </a:r>
-            <a:endParaRPr lang="es-CO" sz="1400">
+            <a:endParaRPr lang="es-CO" sz="1400" dirty="0">
               <a:latin typeface="Trebuchet MS" panose="020B0603020202020204" pitchFamily="34" charset="0"/>
               <a:ea typeface="Courier New" panose="02070309020205020404" pitchFamily="49" charset="0"/>
               <a:cs typeface="Trebuchet MS" panose="020B0603020202020204" pitchFamily="34" charset="0"/>
@@ -7086,14 +7091,14 @@
               </a:tabLst>
             </a:pPr>
             <a:r>
-              <a:rPr lang="es-ES" sz="1400">
+              <a:rPr lang="es-ES" sz="1400" dirty="0">
                 <a:latin typeface="Trebuchet MS" panose="020B0603020202020204" pitchFamily="34" charset="0"/>
                 <a:ea typeface="Wingdings" panose="05000000000000000000" pitchFamily="2" charset="2"/>
                 <a:cs typeface="Wingdings" panose="05000000000000000000" pitchFamily="2" charset="2"/>
               </a:rPr>
               <a:t>La infraestructura de computación puede ser física, virtual o una combinación</a:t>
             </a:r>
-            <a:endParaRPr lang="es-CO" sz="1400">
+            <a:endParaRPr lang="es-CO" sz="1400" dirty="0">
               <a:latin typeface="Trebuchet MS" panose="020B0603020202020204" pitchFamily="34" charset="0"/>
               <a:ea typeface="Wingdings" panose="05000000000000000000" pitchFamily="2" charset="2"/>
               <a:cs typeface="Wingdings" panose="05000000000000000000" pitchFamily="2" charset="2"/>
@@ -7119,14 +7124,14 @@
               </a:tabLst>
             </a:pPr>
             <a:r>
-              <a:rPr lang="es-ES" sz="1400">
+              <a:rPr lang="es-ES" sz="1400" dirty="0">
                 <a:latin typeface="Trebuchet MS" panose="020B0603020202020204" pitchFamily="34" charset="0"/>
                 <a:ea typeface="Wingdings" panose="05000000000000000000" pitchFamily="2" charset="2"/>
                 <a:cs typeface="Wingdings" panose="05000000000000000000" pitchFamily="2" charset="2"/>
               </a:rPr>
               <a:t>Da una opción de suscripción por el servicio en la nube</a:t>
             </a:r>
-            <a:endParaRPr lang="es-CO" sz="1400">
+            <a:endParaRPr lang="es-CO" sz="1400" dirty="0">
               <a:latin typeface="Trebuchet MS" panose="020B0603020202020204" pitchFamily="34" charset="0"/>
               <a:ea typeface="Wingdings" panose="05000000000000000000" pitchFamily="2" charset="2"/>
               <a:cs typeface="Wingdings" panose="05000000000000000000" pitchFamily="2" charset="2"/>
@@ -7152,14 +7157,14 @@
               </a:tabLst>
             </a:pPr>
             <a:r>
-              <a:rPr lang="es-ES" sz="1400">
+              <a:rPr lang="es-ES" sz="1400" dirty="0">
                 <a:latin typeface="Trebuchet MS" panose="020B0603020202020204" pitchFamily="34" charset="0"/>
                 <a:ea typeface="Wingdings" panose="05000000000000000000" pitchFamily="2" charset="2"/>
                 <a:cs typeface="Wingdings" panose="05000000000000000000" pitchFamily="2" charset="2"/>
               </a:rPr>
               <a:t>Pueden utilizar una interfaz online para acceder de forma remota a las funciones del servidor virtual.</a:t>
             </a:r>
-            <a:endParaRPr lang="es-CO" sz="1400">
+            <a:endParaRPr lang="es-CO" sz="1400" dirty="0">
               <a:latin typeface="Trebuchet MS" panose="020B0603020202020204" pitchFamily="34" charset="0"/>
               <a:ea typeface="Wingdings" panose="05000000000000000000" pitchFamily="2" charset="2"/>
               <a:cs typeface="Wingdings" panose="05000000000000000000" pitchFamily="2" charset="2"/>
@@ -7185,14 +7190,14 @@
               </a:tabLst>
             </a:pPr>
             <a:r>
-              <a:rPr lang="es-ES" sz="1400">
+              <a:rPr lang="es-ES" sz="1400" dirty="0">
                 <a:latin typeface="Trebuchet MS" panose="020B0603020202020204" pitchFamily="34" charset="0"/>
                 <a:ea typeface="Courier New" panose="02070309020205020404" pitchFamily="49" charset="0"/>
                 <a:cs typeface="Trebuchet MS" panose="020B0603020202020204" pitchFamily="34" charset="0"/>
               </a:rPr>
-              <a:t>Servidor dedicado:</a:t>
-            </a:r>
-            <a:endParaRPr lang="es-CO" sz="1400">
+              <a:t>Servidor local:</a:t>
+            </a:r>
+            <a:endParaRPr lang="es-CO" sz="1400" dirty="0">
               <a:latin typeface="Trebuchet MS" panose="020B0603020202020204" pitchFamily="34" charset="0"/>
               <a:ea typeface="Courier New" panose="02070309020205020404" pitchFamily="49" charset="0"/>
               <a:cs typeface="Trebuchet MS" panose="020B0603020202020204" pitchFamily="34" charset="0"/>
@@ -7218,14 +7223,14 @@
               </a:tabLst>
             </a:pPr>
             <a:r>
-              <a:rPr lang="es-ES" sz="1400">
+              <a:rPr lang="es-ES" sz="1400" dirty="0">
                 <a:latin typeface="Trebuchet MS" panose="020B0603020202020204" pitchFamily="34" charset="0"/>
                 <a:ea typeface="Wingdings" panose="05000000000000000000" pitchFamily="2" charset="2"/>
                 <a:cs typeface="Wingdings" panose="05000000000000000000" pitchFamily="2" charset="2"/>
               </a:rPr>
               <a:t>Libertad en la realización de cualquier tipo de pruebas en el sitio web sin miedo a errores sin vuelta</a:t>
             </a:r>
-            <a:endParaRPr lang="es-CO" sz="1400">
+            <a:endParaRPr lang="es-CO" sz="1400" dirty="0">
               <a:latin typeface="Trebuchet MS" panose="020B0603020202020204" pitchFamily="34" charset="0"/>
               <a:ea typeface="Wingdings" panose="05000000000000000000" pitchFamily="2" charset="2"/>
               <a:cs typeface="Wingdings" panose="05000000000000000000" pitchFamily="2" charset="2"/>
@@ -7251,14 +7256,14 @@
               </a:tabLst>
             </a:pPr>
             <a:r>
-              <a:rPr lang="es-ES" sz="1400">
+              <a:rPr lang="es-ES" sz="1400" dirty="0">
                 <a:latin typeface="Trebuchet MS" panose="020B0603020202020204" pitchFamily="34" charset="0"/>
                 <a:ea typeface="Wingdings" panose="05000000000000000000" pitchFamily="2" charset="2"/>
                 <a:cs typeface="Wingdings" panose="05000000000000000000" pitchFamily="2" charset="2"/>
               </a:rPr>
               <a:t>No es necesario contratar un servicio</a:t>
             </a:r>
-            <a:endParaRPr lang="es-CO" sz="1400">
+            <a:endParaRPr lang="es-CO" sz="1400" dirty="0">
               <a:latin typeface="Trebuchet MS" panose="020B0603020202020204" pitchFamily="34" charset="0"/>
               <a:ea typeface="Wingdings" panose="05000000000000000000" pitchFamily="2" charset="2"/>
               <a:cs typeface="Wingdings" panose="05000000000000000000" pitchFamily="2" charset="2"/>
@@ -7284,14 +7289,14 @@
               </a:tabLst>
             </a:pPr>
             <a:r>
-              <a:rPr lang="es-ES" sz="1400">
+              <a:rPr lang="es-ES" sz="1400" dirty="0">
                 <a:latin typeface="Trebuchet MS" panose="020B0603020202020204" pitchFamily="34" charset="0"/>
                 <a:ea typeface="Wingdings" panose="05000000000000000000" pitchFamily="2" charset="2"/>
                 <a:cs typeface="Wingdings" panose="05000000000000000000" pitchFamily="2" charset="2"/>
               </a:rPr>
               <a:t>Permite que se instale en cualquier equipo en una red local</a:t>
             </a:r>
-            <a:endParaRPr lang="es-CO" sz="1400">
+            <a:endParaRPr lang="es-CO" sz="1400" dirty="0">
               <a:latin typeface="Trebuchet MS" panose="020B0603020202020204" pitchFamily="34" charset="0"/>
               <a:ea typeface="Wingdings" panose="05000000000000000000" pitchFamily="2" charset="2"/>
               <a:cs typeface="Wingdings" panose="05000000000000000000" pitchFamily="2" charset="2"/>
@@ -7317,14 +7322,14 @@
               </a:tabLst>
             </a:pPr>
             <a:r>
-              <a:rPr lang="es-ES" sz="1400">
+              <a:rPr lang="es-ES" sz="1400" dirty="0">
                 <a:latin typeface="Trebuchet MS" panose="020B0603020202020204" pitchFamily="34" charset="0"/>
                 <a:ea typeface="Courier New" panose="02070309020205020404" pitchFamily="49" charset="0"/>
                 <a:cs typeface="Trebuchet MS" panose="020B0603020202020204" pitchFamily="34" charset="0"/>
               </a:rPr>
-              <a:t>Hipervisor:</a:t>
-            </a:r>
-            <a:endParaRPr lang="es-CO" sz="1400">
+              <a:t>Computador:</a:t>
+            </a:r>
+            <a:endParaRPr lang="es-CO" sz="1400" dirty="0">
               <a:latin typeface="Trebuchet MS" panose="020B0603020202020204" pitchFamily="34" charset="0"/>
               <a:ea typeface="Courier New" panose="02070309020205020404" pitchFamily="49" charset="0"/>
               <a:cs typeface="Trebuchet MS" panose="020B0603020202020204" pitchFamily="34" charset="0"/>
@@ -7350,14 +7355,14 @@
               </a:tabLst>
             </a:pPr>
             <a:r>
-              <a:rPr lang="es-ES" sz="1400">
+              <a:rPr lang="es-ES" sz="1400" dirty="0">
                 <a:latin typeface="Trebuchet MS" panose="020B0603020202020204" pitchFamily="34" charset="0"/>
                 <a:ea typeface="Wingdings" panose="05000000000000000000" pitchFamily="2" charset="2"/>
                 <a:cs typeface="Wingdings" panose="05000000000000000000" pitchFamily="2" charset="2"/>
               </a:rPr>
               <a:t>Permite crear y gestionar máquinas virtuales aislando sus recursos del sistema operativo</a:t>
             </a:r>
-            <a:endParaRPr lang="es-CO" sz="1400">
+            <a:endParaRPr lang="es-CO" sz="1400" dirty="0">
               <a:latin typeface="Trebuchet MS" panose="020B0603020202020204" pitchFamily="34" charset="0"/>
               <a:ea typeface="Wingdings" panose="05000000000000000000" pitchFamily="2" charset="2"/>
               <a:cs typeface="Wingdings" panose="05000000000000000000" pitchFamily="2" charset="2"/>
@@ -7383,14 +7388,14 @@
               </a:tabLst>
             </a:pPr>
             <a:r>
-              <a:rPr lang="es-ES" sz="1400">
+              <a:rPr lang="es-ES" sz="1400" dirty="0">
                 <a:latin typeface="Trebuchet MS" panose="020B0603020202020204" pitchFamily="34" charset="0"/>
                 <a:ea typeface="Wingdings" panose="05000000000000000000" pitchFamily="2" charset="2"/>
                 <a:cs typeface="Wingdings" panose="05000000000000000000" pitchFamily="2" charset="2"/>
               </a:rPr>
               <a:t>Sí una de las máquinas virtuales se encuentra en riesgo, el resto del sistema no tendrá afectaciones.</a:t>
             </a:r>
-            <a:endParaRPr lang="es-CO" sz="1400">
+            <a:endParaRPr lang="es-CO" sz="1400" dirty="0">
               <a:effectLst/>
               <a:latin typeface="Trebuchet MS" panose="020B0603020202020204" pitchFamily="34" charset="0"/>
               <a:ea typeface="Wingdings" panose="05000000000000000000" pitchFamily="2" charset="2"/>
@@ -8358,26 +8363,26 @@
           <a:lstStyle/>
           <a:p>
             <a:r>
-              <a:rPr lang="es-MX"/>
+              <a:rPr lang="es-MX" dirty="0"/>
               <a:t>VirtualBox es un potente producto de virtualización x86 y AMD64 / Intel64 para uso empresarial y doméstico. VirtualBox no solo es un producto extremadamente rico en funciones y de alto rendimiento para clientes empresariales, sino que también es la única solución profesional que está disponible gratuitamente como software de código abierto bajo los términos de la GNU General </a:t>
             </a:r>
             <a:r>
-              <a:rPr lang="es-MX" err="1"/>
+              <a:rPr lang="es-MX" dirty="0" err="1"/>
               <a:t>Public</a:t>
             </a:r>
             <a:r>
-              <a:rPr lang="es-MX"/>
+              <a:rPr lang="es-MX" dirty="0"/>
               <a:t> </a:t>
             </a:r>
             <a:r>
-              <a:rPr lang="es-MX" err="1"/>
+              <a:rPr lang="es-MX" dirty="0" err="1"/>
               <a:t>License</a:t>
             </a:r>
             <a:r>
-              <a:rPr lang="es-MX"/>
-              <a:t> (GPL) versión 2. Consulte "Acerca de VirtualBox "para una introducción.</a:t>
-            </a:r>
-            <a:endParaRPr lang="es-CO"/>
+              <a:rPr lang="es-MX" dirty="0"/>
+              <a:t> (GPL).</a:t>
+            </a:r>
+            <a:endParaRPr lang="es-CO" dirty="0"/>
           </a:p>
         </p:txBody>
       </p:sp>
@@ -9672,21 +9677,6 @@
 </file>
 
 <file path=customXml/item1.xml><?xml version="1.0" encoding="utf-8"?>
-<p:properties xmlns:p="http://schemas.microsoft.com/office/2006/metadata/properties" xmlns:xsi="http://www.w3.org/2001/XMLSchema-instance" xmlns:pc="http://schemas.microsoft.com/office/infopath/2007/PartnerControls">
-  <documentManagement/>
-</p:properties>
-</file>
-
-<file path=customXml/item2.xml><?xml version="1.0" encoding="utf-8"?>
-<?mso-contentType ?>
-<FormTemplates xmlns="http://schemas.microsoft.com/sharepoint/v3/contenttype/forms">
-  <Display>DocumentLibraryForm</Display>
-  <Edit>DocumentLibraryForm</Edit>
-  <New>DocumentLibraryForm</New>
-</FormTemplates>
-</file>
-
-<file path=customXml/item3.xml><?xml version="1.0" encoding="utf-8"?>
 <ct:contentTypeSchema xmlns:ct="http://schemas.microsoft.com/office/2006/metadata/contentType" xmlns:ma="http://schemas.microsoft.com/office/2006/metadata/properties/metaAttributes" ct:_="" ma:_="" ma:contentTypeName="Document" ma:contentTypeID="0x0101001EE5071620E8F64884E02EA10C8FBC9E" ma:contentTypeVersion="13" ma:contentTypeDescription="Create a new document." ma:contentTypeScope="" ma:versionID="bdee436cc33b61f584b9441ad4702cb5">
   <xsd:schema xmlns:xsd="http://www.w3.org/2001/XMLSchema" xmlns:xs="http://www.w3.org/2001/XMLSchema" xmlns:p="http://schemas.microsoft.com/office/2006/metadata/properties" xmlns:ns3="449629f2-4f2f-4b0c-857e-56bb25c3863b" xmlns:ns4="d1aa785c-e9d7-43a8-9adb-d63a2ceac555" targetNamespace="http://schemas.microsoft.com/office/2006/metadata/properties" ma:root="true" ma:fieldsID="fcdffc1037cf23180ea242ec9a46d8b2" ns3:_="" ns4:_="">
     <xsd:import namespace="449629f2-4f2f-4b0c-857e-56bb25c3863b"/>
@@ -9909,32 +9899,22 @@
 </ct:contentTypeSchema>
 </file>
 
-<file path=customXml/itemProps1.xml><?xml version="1.0" encoding="utf-8"?>
-<ds:datastoreItem xmlns:ds="http://schemas.openxmlformats.org/officeDocument/2006/customXml" ds:itemID="{7659172A-B748-4247-BE8C-AE09013E59AF}">
-  <ds:schemaRefs>
-    <ds:schemaRef ds:uri="449629f2-4f2f-4b0c-857e-56bb25c3863b"/>
-    <ds:schemaRef ds:uri="d1aa785c-e9d7-43a8-9adb-d63a2ceac555"/>
-    <ds:schemaRef ds:uri="http://purl.org/dc/dcmitype/"/>
-    <ds:schemaRef ds:uri="http://purl.org/dc/elements/1.1/"/>
-    <ds:schemaRef ds:uri="http://purl.org/dc/terms/"/>
-    <ds:schemaRef ds:uri="http://schemas.microsoft.com/office/2006/documentManagement/types"/>
-    <ds:schemaRef ds:uri="http://schemas.microsoft.com/office/2006/metadata/properties"/>
-    <ds:schemaRef ds:uri="http://schemas.microsoft.com/office/infopath/2007/PartnerControls"/>
-    <ds:schemaRef ds:uri="http://schemas.openxmlformats.org/package/2006/metadata/core-properties"/>
-    <ds:schemaRef ds:uri="http://www.w3.org/XML/1998/namespace"/>
-  </ds:schemaRefs>
-</ds:datastoreItem>
+<file path=customXml/item2.xml><?xml version="1.0" encoding="utf-8"?>
+<?mso-contentType ?>
+<FormTemplates xmlns="http://schemas.microsoft.com/sharepoint/v3/contenttype/forms">
+  <Display>DocumentLibraryForm</Display>
+  <Edit>DocumentLibraryForm</Edit>
+  <New>DocumentLibraryForm</New>
+</FormTemplates>
 </file>
 
-<file path=customXml/itemProps2.xml><?xml version="1.0" encoding="utf-8"?>
-<ds:datastoreItem xmlns:ds="http://schemas.openxmlformats.org/officeDocument/2006/customXml" ds:itemID="{63D06005-18E1-494B-BFDD-371C06A03F12}">
-  <ds:schemaRefs>
-    <ds:schemaRef ds:uri="http://schemas.microsoft.com/sharepoint/v3/contenttype/forms"/>
-  </ds:schemaRefs>
-</ds:datastoreItem>
+<file path=customXml/item3.xml><?xml version="1.0" encoding="utf-8"?>
+<p:properties xmlns:p="http://schemas.microsoft.com/office/2006/metadata/properties" xmlns:xsi="http://www.w3.org/2001/XMLSchema-instance" xmlns:pc="http://schemas.microsoft.com/office/infopath/2007/PartnerControls">
+  <documentManagement/>
+</p:properties>
 </file>
 
-<file path=customXml/itemProps3.xml><?xml version="1.0" encoding="utf-8"?>
+<file path=customXml/itemProps1.xml><?xml version="1.0" encoding="utf-8"?>
 <ds:datastoreItem xmlns:ds="http://schemas.openxmlformats.org/officeDocument/2006/customXml" ds:itemID="{DA668568-1E18-4BEB-B751-80BDB24D4819}">
   <ds:schemaRefs>
     <ds:schemaRef ds:uri="449629f2-4f2f-4b0c-857e-56bb25c3863b"/>
@@ -9951,4 +9931,29 @@
     <ds:schemaRef ds:uri="http://www.w3.org/2001/XMLSchema"/>
   </ds:schemaRefs>
 </ds:datastoreItem>
+</file>
+
+<file path=customXml/itemProps2.xml><?xml version="1.0" encoding="utf-8"?>
+<ds:datastoreItem xmlns:ds="http://schemas.openxmlformats.org/officeDocument/2006/customXml" ds:itemID="{63D06005-18E1-494B-BFDD-371C06A03F12}">
+  <ds:schemaRefs>
+    <ds:schemaRef ds:uri="http://schemas.microsoft.com/sharepoint/v3/contenttype/forms"/>
+  </ds:schemaRefs>
+</ds:datastoreItem>
+</file>
+
+<file path=customXml/itemProps3.xml><?xml version="1.0" encoding="utf-8"?>
+<ds:datastoreItem xmlns:ds="http://schemas.openxmlformats.org/officeDocument/2006/customXml" ds:itemID="{7659172A-B748-4247-BE8C-AE09013E59AF}">
+  <ds:schemaRefs>
+    <ds:schemaRef ds:uri="449629f2-4f2f-4b0c-857e-56bb25c3863b"/>
+    <ds:schemaRef ds:uri="d1aa785c-e9d7-43a8-9adb-d63a2ceac555"/>
+    <ds:schemaRef ds:uri="http://purl.org/dc/dcmitype/"/>
+    <ds:schemaRef ds:uri="http://purl.org/dc/elements/1.1/"/>
+    <ds:schemaRef ds:uri="http://purl.org/dc/terms/"/>
+    <ds:schemaRef ds:uri="http://schemas.microsoft.com/office/2006/documentManagement/types"/>
+    <ds:schemaRef ds:uri="http://schemas.microsoft.com/office/2006/metadata/properties"/>
+    <ds:schemaRef ds:uri="http://schemas.microsoft.com/office/infopath/2007/PartnerControls"/>
+    <ds:schemaRef ds:uri="http://schemas.openxmlformats.org/package/2006/metadata/core-properties"/>
+    <ds:schemaRef ds:uri="http://www.w3.org/XML/1998/namespace"/>
+  </ds:schemaRefs>
+</ds:datastoreItem>
 </file>
--- a/Laboratorios/Laboratorio 1/PresentacionLab01.pptx
+++ b/Laboratorios/Laboratorio 1/PresentacionLab01.pptx
@@ -113,6 +113,11 @@
       </a:defRPr>
     </a:lvl9pPr>
   </p:defaultTextStyle>
+  <p:extLst>
+    <p:ext uri="{EFAFB233-063F-42B5-8137-9DF3F51BA10A}">
+      <p15:sldGuideLst xmlns:p15="http://schemas.microsoft.com/office/powerpoint/2012/main"/>
+    </p:ext>
+  </p:extLst>
 </p:presentation>
 </file>
 
@@ -848,7 +853,7 @@
             <a:fld id="{B61BEF0D-F0BB-DE4B-95CE-6DB70DBA9567}" type="datetimeFigureOut">
               <a:rPr lang="en-US" dirty="0"/>
               <a:pPr/>
-              <a:t>1/25/2021</a:t>
+              <a:t>1/26/2021</a:t>
             </a:fld>
             <a:endParaRPr lang="en-US"/>
           </a:p>
@@ -1096,7 +1101,7 @@
             <a:fld id="{B61BEF0D-F0BB-DE4B-95CE-6DB70DBA9567}" type="datetimeFigureOut">
               <a:rPr lang="en-US" dirty="0"/>
               <a:pPr/>
-              <a:t>1/25/2021</a:t>
+              <a:t>1/26/2021</a:t>
             </a:fld>
             <a:endParaRPr lang="en-US"/>
           </a:p>
@@ -1407,7 +1412,7 @@
             <a:fld id="{B61BEF0D-F0BB-DE4B-95CE-6DB70DBA9567}" type="datetimeFigureOut">
               <a:rPr lang="en-US" dirty="0"/>
               <a:pPr/>
-              <a:t>1/25/2021</a:t>
+              <a:t>1/26/2021</a:t>
             </a:fld>
             <a:endParaRPr lang="en-US"/>
           </a:p>
@@ -1745,7 +1750,7 @@
             <a:fld id="{B61BEF0D-F0BB-DE4B-95CE-6DB70DBA9567}" type="datetimeFigureOut">
               <a:rPr lang="en-US" dirty="0"/>
               <a:pPr/>
-              <a:t>1/25/2021</a:t>
+              <a:t>1/26/2021</a:t>
             </a:fld>
             <a:endParaRPr lang="en-US"/>
           </a:p>
@@ -2056,7 +2061,7 @@
             <a:fld id="{B61BEF0D-F0BB-DE4B-95CE-6DB70DBA9567}" type="datetimeFigureOut">
               <a:rPr lang="en-US" dirty="0"/>
               <a:pPr/>
-              <a:t>1/25/2021</a:t>
+              <a:t>1/26/2021</a:t>
             </a:fld>
             <a:endParaRPr lang="en-US"/>
           </a:p>
@@ -2446,7 +2451,7 @@
             <a:fld id="{B61BEF0D-F0BB-DE4B-95CE-6DB70DBA9567}" type="datetimeFigureOut">
               <a:rPr lang="en-US" dirty="0"/>
               <a:pPr/>
-              <a:t>1/25/2021</a:t>
+              <a:t>1/26/2021</a:t>
             </a:fld>
             <a:endParaRPr lang="en-US"/>
           </a:p>
@@ -2612,7 +2617,7 @@
           <a:p>
             <a:fld id="{55C6B4A9-1611-4792-9094-5F34BCA07E0B}" type="datetimeFigureOut">
               <a:rPr lang="en-US" dirty="0"/>
-              <a:t>1/25/2021</a:t>
+              <a:t>1/26/2021</a:t>
             </a:fld>
             <a:endParaRPr lang="en-US"/>
           </a:p>
@@ -2788,7 +2793,7 @@
             <a:fld id="{B61BEF0D-F0BB-DE4B-95CE-6DB70DBA9567}" type="datetimeFigureOut">
               <a:rPr lang="en-US" dirty="0"/>
               <a:pPr/>
-              <a:t>1/25/2021</a:t>
+              <a:t>1/26/2021</a:t>
             </a:fld>
             <a:endParaRPr lang="en-US"/>
           </a:p>
@@ -2961,7 +2966,7 @@
             <a:fld id="{B61BEF0D-F0BB-DE4B-95CE-6DB70DBA9567}" type="datetimeFigureOut">
               <a:rPr lang="en-US" dirty="0"/>
               <a:pPr/>
-              <a:t>1/25/2021</a:t>
+              <a:t>1/26/2021</a:t>
             </a:fld>
             <a:endParaRPr lang="en-US"/>
           </a:p>
@@ -3205,7 +3210,7 @@
             <a:fld id="{B61BEF0D-F0BB-DE4B-95CE-6DB70DBA9567}" type="datetimeFigureOut">
               <a:rPr lang="en-US" dirty="0"/>
               <a:pPr/>
-              <a:t>1/25/2021</a:t>
+              <a:t>1/26/2021</a:t>
             </a:fld>
             <a:endParaRPr lang="en-US"/>
           </a:p>
@@ -3433,7 +3438,7 @@
           <a:p>
             <a:fld id="{EB712588-04B1-427B-82EE-E8DB90309F08}" type="datetimeFigureOut">
               <a:rPr lang="en-US" dirty="0"/>
-              <a:t>1/25/2021</a:t>
+              <a:t>1/26/2021</a:t>
             </a:fld>
             <a:endParaRPr lang="en-US"/>
           </a:p>
@@ -3803,7 +3808,7 @@
             <a:fld id="{B61BEF0D-F0BB-DE4B-95CE-6DB70DBA9567}" type="datetimeFigureOut">
               <a:rPr lang="en-US" dirty="0"/>
               <a:pPr/>
-              <a:t>1/25/2021</a:t>
+              <a:t>1/26/2021</a:t>
             </a:fld>
             <a:endParaRPr lang="en-US"/>
           </a:p>
@@ -3923,7 +3928,7 @@
             <a:fld id="{B61BEF0D-F0BB-DE4B-95CE-6DB70DBA9567}" type="datetimeFigureOut">
               <a:rPr lang="en-US" dirty="0"/>
               <a:pPr/>
-              <a:t>1/25/2021</a:t>
+              <a:t>1/26/2021</a:t>
             </a:fld>
             <a:endParaRPr lang="en-US"/>
           </a:p>
@@ -4015,7 +4020,7 @@
             <a:fld id="{B61BEF0D-F0BB-DE4B-95CE-6DB70DBA9567}" type="datetimeFigureOut">
               <a:rPr lang="en-US" dirty="0"/>
               <a:pPr/>
-              <a:t>1/25/2021</a:t>
+              <a:t>1/26/2021</a:t>
             </a:fld>
             <a:endParaRPr lang="en-US"/>
           </a:p>
@@ -4266,7 +4271,7 @@
           <a:p>
             <a:fld id="{42A54C80-263E-416B-A8E0-580EDEADCBDC}" type="datetimeFigureOut">
               <a:rPr lang="en-US" dirty="0"/>
-              <a:t>1/25/2021</a:t>
+              <a:t>1/26/2021</a:t>
             </a:fld>
             <a:endParaRPr lang="en-US"/>
           </a:p>
@@ -4525,7 +4530,7 @@
             <a:fld id="{B61BEF0D-F0BB-DE4B-95CE-6DB70DBA9567}" type="datetimeFigureOut">
               <a:rPr lang="en-US" dirty="0"/>
               <a:pPr/>
-              <a:t>1/25/2021</a:t>
+              <a:t>1/26/2021</a:t>
             </a:fld>
             <a:endParaRPr lang="en-US"/>
           </a:p>
@@ -5265,7 +5270,7 @@
             <a:fld id="{B61BEF0D-F0BB-DE4B-95CE-6DB70DBA9567}" type="datetimeFigureOut">
               <a:rPr lang="en-US" dirty="0"/>
               <a:pPr/>
-              <a:t>1/25/2021</a:t>
+              <a:t>1/26/2021</a:t>
             </a:fld>
             <a:endParaRPr lang="en-US"/>
           </a:p>
@@ -7637,7 +7642,7 @@
                 <a16:creationId xmlns:a16="http://schemas.microsoft.com/office/drawing/2014/main" id="{64FA5DFF-7FE6-4855-84E6-DFA78EE978BD}"/>
               </a:ext>
               <a:ext uri="{C183D7F6-B498-43B3-948B-1728B52AA6E4}">
-                <adec:decorative xmlns:adec="http://schemas.microsoft.com/office/drawing/2017/decorative" val="1"/>
+                <adec:decorative xmlns:adec="http://schemas.microsoft.com/office/drawing/2017/decorative" xmlns="" val="1"/>
               </a:ext>
             </a:extLst>
           </p:cNvPr>
@@ -7691,7 +7696,7 @@
                 <a16:creationId xmlns:a16="http://schemas.microsoft.com/office/drawing/2014/main" id="{2AFD8CBA-54A3-4363-991B-B9C631BBFA74}"/>
               </a:ext>
               <a:ext uri="{C183D7F6-B498-43B3-948B-1728B52AA6E4}">
-                <adec:decorative xmlns:adec="http://schemas.microsoft.com/office/drawing/2017/decorative" val="1"/>
+                <adec:decorative xmlns:adec="http://schemas.microsoft.com/office/drawing/2017/decorative" xmlns="" val="1"/>
               </a:ext>
             </a:extLst>
           </p:cNvPr>
@@ -7745,7 +7750,7 @@
                 <a16:creationId xmlns:a16="http://schemas.microsoft.com/office/drawing/2014/main" id="{3F088236-D655-4F88-B238-E16762358025}"/>
               </a:ext>
               <a:ext uri="{C183D7F6-B498-43B3-948B-1728B52AA6E4}">
-                <adec:decorative xmlns:adec="http://schemas.microsoft.com/office/drawing/2017/decorative" val="1"/>
+                <adec:decorative xmlns:adec="http://schemas.microsoft.com/office/drawing/2017/decorative" xmlns="" val="1"/>
               </a:ext>
             </a:extLst>
           </p:cNvPr>
@@ -7825,7 +7830,7 @@
                 <a16:creationId xmlns:a16="http://schemas.microsoft.com/office/drawing/2014/main" id="{3DAC0C92-199E-475C-9390-119A9B027276}"/>
               </a:ext>
               <a:ext uri="{C183D7F6-B498-43B3-948B-1728B52AA6E4}">
-                <adec:decorative xmlns:adec="http://schemas.microsoft.com/office/drawing/2017/decorative" val="1"/>
+                <adec:decorative xmlns:adec="http://schemas.microsoft.com/office/drawing/2017/decorative" xmlns="" val="1"/>
               </a:ext>
             </a:extLst>
           </p:cNvPr>
@@ -7905,7 +7910,7 @@
                 <a16:creationId xmlns:a16="http://schemas.microsoft.com/office/drawing/2014/main" id="{C4CFB339-0ED8-4FE2-9EF1-6D1375B8499B}"/>
               </a:ext>
               <a:ext uri="{C183D7F6-B498-43B3-948B-1728B52AA6E4}">
-                <adec:decorative xmlns:adec="http://schemas.microsoft.com/office/drawing/2017/decorative" val="1"/>
+                <adec:decorative xmlns:adec="http://schemas.microsoft.com/office/drawing/2017/decorative" xmlns="" val="1"/>
               </a:ext>
             </a:extLst>
           </p:cNvPr>
@@ -7963,7 +7968,7 @@
                 <a16:creationId xmlns:a16="http://schemas.microsoft.com/office/drawing/2014/main" id="{31896C80-2069-4431-9C19-83B913734490}"/>
               </a:ext>
               <a:ext uri="{C183D7F6-B498-43B3-948B-1728B52AA6E4}">
-                <adec:decorative xmlns:adec="http://schemas.microsoft.com/office/drawing/2017/decorative" val="1"/>
+                <adec:decorative xmlns:adec="http://schemas.microsoft.com/office/drawing/2017/decorative" xmlns="" val="1"/>
               </a:ext>
             </a:extLst>
           </p:cNvPr>
@@ -8044,7 +8049,7 @@
                 <a16:creationId xmlns:a16="http://schemas.microsoft.com/office/drawing/2014/main" id="{BF120A21-0841-4823-B0C4-28AEBCEF9B78}"/>
               </a:ext>
               <a:ext uri="{C183D7F6-B498-43B3-948B-1728B52AA6E4}">
-                <adec:decorative xmlns:adec="http://schemas.microsoft.com/office/drawing/2017/decorative" val="1"/>
+                <adec:decorative xmlns:adec="http://schemas.microsoft.com/office/drawing/2017/decorative" xmlns="" val="1"/>
               </a:ext>
             </a:extLst>
           </p:cNvPr>
@@ -8126,7 +8131,7 @@
                 <a16:creationId xmlns:a16="http://schemas.microsoft.com/office/drawing/2014/main" id="{DBB05BAE-BBD3-4289-899F-A6851503C6B0}"/>
               </a:ext>
               <a:ext uri="{C183D7F6-B498-43B3-948B-1728B52AA6E4}">
-                <adec:decorative xmlns:adec="http://schemas.microsoft.com/office/drawing/2017/decorative" val="1"/>
+                <adec:decorative xmlns:adec="http://schemas.microsoft.com/office/drawing/2017/decorative" xmlns="" val="1"/>
               </a:ext>
             </a:extLst>
           </p:cNvPr>
@@ -8206,7 +8211,7 @@
                 <a16:creationId xmlns:a16="http://schemas.microsoft.com/office/drawing/2014/main" id="{9874D11C-36F5-4BBE-A490-019A54E953B0}"/>
               </a:ext>
               <a:ext uri="{C183D7F6-B498-43B3-948B-1728B52AA6E4}">
-                <adec:decorative xmlns:adec="http://schemas.microsoft.com/office/drawing/2017/decorative" val="1"/>
+                <adec:decorative xmlns:adec="http://schemas.microsoft.com/office/drawing/2017/decorative" xmlns="" val="1"/>
               </a:ext>
             </a:extLst>
           </p:cNvPr>
@@ -8615,7 +8620,7 @@
                 <a16:creationId xmlns:a16="http://schemas.microsoft.com/office/drawing/2014/main" id="{90A61547-2555-4DE2-A37F-A53E54917441}"/>
               </a:ext>
               <a:ext uri="{C183D7F6-B498-43B3-948B-1728B52AA6E4}">
-                <adec:decorative xmlns:adec="http://schemas.microsoft.com/office/drawing/2017/decorative" val="1"/>
+                <adec:decorative xmlns:adec="http://schemas.microsoft.com/office/drawing/2017/decorative" xmlns="" val="1"/>
               </a:ext>
             </a:extLst>
           </p:cNvPr>
@@ -8646,7 +8651,7 @@
                   <a16:creationId xmlns:a16="http://schemas.microsoft.com/office/drawing/2014/main" id="{5C2447E0-8F0D-479C-94E4-82BC8EB68C0C}"/>
                 </a:ext>
                 <a:ext uri="{C183D7F6-B498-43B3-948B-1728B52AA6E4}">
-                  <adec:decorative xmlns:adec="http://schemas.microsoft.com/office/drawing/2017/decorative" val="1"/>
+                  <adec:decorative xmlns:adec="http://schemas.microsoft.com/office/drawing/2017/decorative" xmlns="" val="1"/>
                 </a:ext>
               </a:extLst>
             </p:cNvPr>
@@ -8698,7 +8703,7 @@
                   <a16:creationId xmlns:a16="http://schemas.microsoft.com/office/drawing/2014/main" id="{1F943397-DCDD-44CB-BBA9-9510B7698DD2}"/>
                 </a:ext>
                 <a:ext uri="{C183D7F6-B498-43B3-948B-1728B52AA6E4}">
-                  <adec:decorative xmlns:adec="http://schemas.microsoft.com/office/drawing/2017/decorative" val="1"/>
+                  <adec:decorative xmlns:adec="http://schemas.microsoft.com/office/drawing/2017/decorative" xmlns="" val="1"/>
                 </a:ext>
               </a:extLst>
             </p:cNvPr>
@@ -8750,7 +8755,7 @@
                   <a16:creationId xmlns:a16="http://schemas.microsoft.com/office/drawing/2014/main" id="{E2630ADC-31DB-4C48-AC4A-DAAE5A7B8EA6}"/>
                 </a:ext>
                 <a:ext uri="{C183D7F6-B498-43B3-948B-1728B52AA6E4}">
-                  <adec:decorative xmlns:adec="http://schemas.microsoft.com/office/drawing/2017/decorative" val="1"/>
+                  <adec:decorative xmlns:adec="http://schemas.microsoft.com/office/drawing/2017/decorative" xmlns="" val="1"/>
                 </a:ext>
               </a:extLst>
             </p:cNvPr>
@@ -8828,7 +8833,7 @@
                   <a16:creationId xmlns:a16="http://schemas.microsoft.com/office/drawing/2014/main" id="{2CA5C44E-F54E-47E0-8989-4D8686B33C80}"/>
                 </a:ext>
                 <a:ext uri="{C183D7F6-B498-43B3-948B-1728B52AA6E4}">
-                  <adec:decorative xmlns:adec="http://schemas.microsoft.com/office/drawing/2017/decorative" val="1"/>
+                  <adec:decorative xmlns:adec="http://schemas.microsoft.com/office/drawing/2017/decorative" xmlns="" val="1"/>
                 </a:ext>
               </a:extLst>
             </p:cNvPr>
@@ -8906,7 +8911,7 @@
                   <a16:creationId xmlns:a16="http://schemas.microsoft.com/office/drawing/2014/main" id="{FF54E15E-830B-4375-A239-4C51954DEAEC}"/>
                 </a:ext>
                 <a:ext uri="{C183D7F6-B498-43B3-948B-1728B52AA6E4}">
-                  <adec:decorative xmlns:adec="http://schemas.microsoft.com/office/drawing/2017/decorative" val="1"/>
+                  <adec:decorative xmlns:adec="http://schemas.microsoft.com/office/drawing/2017/decorative" xmlns="" val="1"/>
                 </a:ext>
               </a:extLst>
             </p:cNvPr>
@@ -8962,7 +8967,7 @@
                   <a16:creationId xmlns:a16="http://schemas.microsoft.com/office/drawing/2014/main" id="{CB37E322-FF7E-4872-BD6B-50A48CBEA5CE}"/>
                 </a:ext>
                 <a:ext uri="{C183D7F6-B498-43B3-948B-1728B52AA6E4}">
-                  <adec:decorative xmlns:adec="http://schemas.microsoft.com/office/drawing/2017/decorative" val="1"/>
+                  <adec:decorative xmlns:adec="http://schemas.microsoft.com/office/drawing/2017/decorative" xmlns="" val="1"/>
                 </a:ext>
               </a:extLst>
             </p:cNvPr>
@@ -9041,7 +9046,7 @@
                   <a16:creationId xmlns:a16="http://schemas.microsoft.com/office/drawing/2014/main" id="{710D0C1E-D2F8-45B2-AE14-1AC8E976F7A2}"/>
                 </a:ext>
                 <a:ext uri="{C183D7F6-B498-43B3-948B-1728B52AA6E4}">
-                  <adec:decorative xmlns:adec="http://schemas.microsoft.com/office/drawing/2017/decorative" val="1"/>
+                  <adec:decorative xmlns:adec="http://schemas.microsoft.com/office/drawing/2017/decorative" xmlns="" val="1"/>
                 </a:ext>
               </a:extLst>
             </p:cNvPr>
@@ -9121,7 +9126,7 @@
                   <a16:creationId xmlns:a16="http://schemas.microsoft.com/office/drawing/2014/main" id="{3216331B-17D0-4167-ABD2-B2198058C2D2}"/>
                 </a:ext>
                 <a:ext uri="{C183D7F6-B498-43B3-948B-1728B52AA6E4}">
-                  <adec:decorative xmlns:adec="http://schemas.microsoft.com/office/drawing/2017/decorative" val="1"/>
+                  <adec:decorative xmlns:adec="http://schemas.microsoft.com/office/drawing/2017/decorative" xmlns="" val="1"/>
                 </a:ext>
               </a:extLst>
             </p:cNvPr>
@@ -9199,7 +9204,7 @@
                   <a16:creationId xmlns:a16="http://schemas.microsoft.com/office/drawing/2014/main" id="{A53A7A96-3806-4BB3-91DE-6EED48AC787E}"/>
                 </a:ext>
                 <a:ext uri="{C183D7F6-B498-43B3-948B-1728B52AA6E4}">
-                  <adec:decorative xmlns:adec="http://schemas.microsoft.com/office/drawing/2017/decorative" val="1"/>
+                  <adec:decorative xmlns:adec="http://schemas.microsoft.com/office/drawing/2017/decorative" xmlns="" val="1"/>
                 </a:ext>
               </a:extLst>
             </p:cNvPr>
@@ -9255,7 +9260,7 @@
                   <a16:creationId xmlns:a16="http://schemas.microsoft.com/office/drawing/2014/main" id="{F8C2B86C-EE71-466E-8991-503F9C9C1B22}"/>
                 </a:ext>
                 <a:ext uri="{C183D7F6-B498-43B3-948B-1728B52AA6E4}">
-                  <adec:decorative xmlns:adec="http://schemas.microsoft.com/office/drawing/2017/decorative" val="1"/>
+                  <adec:decorative xmlns:adec="http://schemas.microsoft.com/office/drawing/2017/decorative" xmlns="" val="1"/>
                 </a:ext>
               </a:extLst>
             </p:cNvPr>
@@ -9678,15 +9683,6 @@
 </file>
 
 <file path=customXml/item2.xml><?xml version="1.0" encoding="utf-8"?>
-<?mso-contentType ?>
-<FormTemplates xmlns="http://schemas.microsoft.com/sharepoint/v3/contenttype/forms">
-  <Display>DocumentLibraryForm</Display>
-  <Edit>DocumentLibraryForm</Edit>
-  <New>DocumentLibraryForm</New>
-</FormTemplates>
-</file>
-
-<file path=customXml/item3.xml><?xml version="1.0" encoding="utf-8"?>
 <ct:contentTypeSchema xmlns:ct="http://schemas.microsoft.com/office/2006/metadata/contentType" xmlns:ma="http://schemas.microsoft.com/office/2006/metadata/properties/metaAttributes" ct:_="" ma:_="" ma:contentTypeName="Document" ma:contentTypeID="0x0101001EE5071620E8F64884E02EA10C8FBC9E" ma:contentTypeVersion="13" ma:contentTypeDescription="Create a new document." ma:contentTypeScope="" ma:versionID="bdee436cc33b61f584b9441ad4702cb5">
   <xsd:schema xmlns:xsd="http://www.w3.org/2001/XMLSchema" xmlns:xs="http://www.w3.org/2001/XMLSchema" xmlns:p="http://schemas.microsoft.com/office/2006/metadata/properties" xmlns:ns3="449629f2-4f2f-4b0c-857e-56bb25c3863b" xmlns:ns4="d1aa785c-e9d7-43a8-9adb-d63a2ceac555" targetNamespace="http://schemas.microsoft.com/office/2006/metadata/properties" ma:root="true" ma:fieldsID="fcdffc1037cf23180ea242ec9a46d8b2" ns3:_="" ns4:_="">
     <xsd:import namespace="449629f2-4f2f-4b0c-857e-56bb25c3863b"/>
@@ -9909,6 +9905,15 @@
 </ct:contentTypeSchema>
 </file>
 
+<file path=customXml/item3.xml><?xml version="1.0" encoding="utf-8"?>
+<?mso-contentType ?>
+<FormTemplates xmlns="http://schemas.microsoft.com/sharepoint/v3/contenttype/forms">
+  <Display>DocumentLibraryForm</Display>
+  <Edit>DocumentLibraryForm</Edit>
+  <New>DocumentLibraryForm</New>
+</FormTemplates>
+</file>
+
 <file path=customXml/itemProps1.xml><?xml version="1.0" encoding="utf-8"?>
 <ds:datastoreItem xmlns:ds="http://schemas.openxmlformats.org/officeDocument/2006/customXml" ds:itemID="{7659172A-B748-4247-BE8C-AE09013E59AF}">
   <ds:schemaRefs>
@@ -9927,14 +9932,6 @@
 </file>
 
 <file path=customXml/itemProps2.xml><?xml version="1.0" encoding="utf-8"?>
-<ds:datastoreItem xmlns:ds="http://schemas.openxmlformats.org/officeDocument/2006/customXml" ds:itemID="{63D06005-18E1-494B-BFDD-371C06A03F12}">
-  <ds:schemaRefs>
-    <ds:schemaRef ds:uri="http://schemas.microsoft.com/sharepoint/v3/contenttype/forms"/>
-  </ds:schemaRefs>
-</ds:datastoreItem>
-</file>
-
-<file path=customXml/itemProps3.xml><?xml version="1.0" encoding="utf-8"?>
 <ds:datastoreItem xmlns:ds="http://schemas.openxmlformats.org/officeDocument/2006/customXml" ds:itemID="{DA668568-1E18-4BEB-B751-80BDB24D4819}">
   <ds:schemaRefs>
     <ds:schemaRef ds:uri="449629f2-4f2f-4b0c-857e-56bb25c3863b"/>
@@ -9951,4 +9948,12 @@
     <ds:schemaRef ds:uri="http://www.w3.org/2001/XMLSchema"/>
   </ds:schemaRefs>
 </ds:datastoreItem>
+</file>
+
+<file path=customXml/itemProps3.xml><?xml version="1.0" encoding="utf-8"?>
+<ds:datastoreItem xmlns:ds="http://schemas.openxmlformats.org/officeDocument/2006/customXml" ds:itemID="{63D06005-18E1-494B-BFDD-371C06A03F12}">
+  <ds:schemaRefs>
+    <ds:schemaRef ds:uri="http://schemas.microsoft.com/sharepoint/v3/contenttype/forms"/>
+  </ds:schemaRefs>
+</ds:datastoreItem>
 </file>